--- a/sqlserver-sql/sqlserver-introduction.pptx
+++ b/sqlserver-sql/sqlserver-introduction.pptx
@@ -307,7 +307,7 @@
           <a:p>
             <a:fld id="{241EB5C9-1307-BA42-ABA2-0BC069CD8E7F}" type="datetimeFigureOut">
               <a:rPr lang="en-US" smtClean="0"/>
-              <a:t>8/1/2025</a:t>
+              <a:t>8/4/2025</a:t>
             </a:fld>
             <a:endParaRPr lang="en-US"/>
           </a:p>
@@ -475,7 +475,7 @@
           <a:p>
             <a:fld id="{241EB5C9-1307-BA42-ABA2-0BC069CD8E7F}" type="datetimeFigureOut">
               <a:rPr lang="en-US" smtClean="0"/>
-              <a:t>8/1/2025</a:t>
+              <a:t>8/4/2025</a:t>
             </a:fld>
             <a:endParaRPr lang="en-US"/>
           </a:p>
@@ -653,7 +653,7 @@
           <a:p>
             <a:fld id="{241EB5C9-1307-BA42-ABA2-0BC069CD8E7F}" type="datetimeFigureOut">
               <a:rPr lang="en-US" smtClean="0"/>
-              <a:t>8/1/2025</a:t>
+              <a:t>8/4/2025</a:t>
             </a:fld>
             <a:endParaRPr lang="en-US"/>
           </a:p>
@@ -821,7 +821,7 @@
           <a:p>
             <a:fld id="{241EB5C9-1307-BA42-ABA2-0BC069CD8E7F}" type="datetimeFigureOut">
               <a:rPr lang="en-US" smtClean="0"/>
-              <a:t>8/1/2025</a:t>
+              <a:t>8/4/2025</a:t>
             </a:fld>
             <a:endParaRPr lang="en-US"/>
           </a:p>
@@ -1066,7 +1066,7 @@
           <a:p>
             <a:fld id="{241EB5C9-1307-BA42-ABA2-0BC069CD8E7F}" type="datetimeFigureOut">
               <a:rPr lang="en-US" smtClean="0"/>
-              <a:t>8/1/2025</a:t>
+              <a:t>8/4/2025</a:t>
             </a:fld>
             <a:endParaRPr lang="en-US"/>
           </a:p>
@@ -1351,7 +1351,7 @@
           <a:p>
             <a:fld id="{241EB5C9-1307-BA42-ABA2-0BC069CD8E7F}" type="datetimeFigureOut">
               <a:rPr lang="en-US" smtClean="0"/>
-              <a:t>8/1/2025</a:t>
+              <a:t>8/4/2025</a:t>
             </a:fld>
             <a:endParaRPr lang="en-US"/>
           </a:p>
@@ -1770,7 +1770,7 @@
           <a:p>
             <a:fld id="{241EB5C9-1307-BA42-ABA2-0BC069CD8E7F}" type="datetimeFigureOut">
               <a:rPr lang="en-US" smtClean="0"/>
-              <a:t>8/1/2025</a:t>
+              <a:t>8/4/2025</a:t>
             </a:fld>
             <a:endParaRPr lang="en-US"/>
           </a:p>
@@ -1887,7 +1887,7 @@
           <a:p>
             <a:fld id="{241EB5C9-1307-BA42-ABA2-0BC069CD8E7F}" type="datetimeFigureOut">
               <a:rPr lang="en-US" smtClean="0"/>
-              <a:t>8/1/2025</a:t>
+              <a:t>8/4/2025</a:t>
             </a:fld>
             <a:endParaRPr lang="en-US"/>
           </a:p>
@@ -1982,7 +1982,7 @@
           <a:p>
             <a:fld id="{241EB5C9-1307-BA42-ABA2-0BC069CD8E7F}" type="datetimeFigureOut">
               <a:rPr lang="en-US" smtClean="0"/>
-              <a:t>8/1/2025</a:t>
+              <a:t>8/4/2025</a:t>
             </a:fld>
             <a:endParaRPr lang="en-US"/>
           </a:p>
@@ -2257,7 +2257,7 @@
           <a:p>
             <a:fld id="{241EB5C9-1307-BA42-ABA2-0BC069CD8E7F}" type="datetimeFigureOut">
               <a:rPr lang="en-US" smtClean="0"/>
-              <a:t>8/1/2025</a:t>
+              <a:t>8/4/2025</a:t>
             </a:fld>
             <a:endParaRPr lang="en-US"/>
           </a:p>
@@ -2509,7 +2509,7 @@
           <a:p>
             <a:fld id="{241EB5C9-1307-BA42-ABA2-0BC069CD8E7F}" type="datetimeFigureOut">
               <a:rPr lang="en-US" smtClean="0"/>
-              <a:t>8/1/2025</a:t>
+              <a:t>8/4/2025</a:t>
             </a:fld>
             <a:endParaRPr lang="en-US"/>
           </a:p>
@@ -2720,7 +2720,7 @@
           <a:p>
             <a:fld id="{241EB5C9-1307-BA42-ABA2-0BC069CD8E7F}" type="datetimeFigureOut">
               <a:rPr lang="en-US" smtClean="0"/>
-              <a:t>8/1/2025</a:t>
+              <a:t>8/4/2025</a:t>
             </a:fld>
             <a:endParaRPr lang="en-US"/>
           </a:p>
@@ -3081,6 +3081,14 @@
 <file path=ppt/slides/slide1.xml><?xml version="1.0" encoding="utf-8"?>
 <p:sld xmlns:a="http://schemas.openxmlformats.org/drawingml/2006/main" xmlns:r="http://schemas.openxmlformats.org/officeDocument/2006/relationships" xmlns:p="http://schemas.openxmlformats.org/presentationml/2006/main">
   <p:cSld>
+    <p:bg>
+      <p:bgPr>
+        <a:solidFill>
+          <a:schemeClr val="bg1"/>
+        </a:solidFill>
+        <a:effectLst/>
+      </p:bgPr>
+    </p:bg>
     <p:spTree>
       <p:nvGrpSpPr>
         <p:cNvPr id="1" name=""/>
@@ -3095,6 +3103,244 @@
           <a:chExt cx="0" cy="0"/>
         </a:xfrm>
       </p:grpSpPr>
+      <p:sp>
+        <p:nvSpPr>
+          <p:cNvPr id="20" name="Rectangle 19">
+            <a:extLst>
+              <a:ext uri="{FF2B5EF4-FFF2-40B4-BE49-F238E27FC236}">
+                <a16:creationId xmlns:a16="http://schemas.microsoft.com/office/drawing/2014/main" id="{0B761509-3B9A-49A6-A84B-C3D86811697D}"/>
+              </a:ext>
+              <a:ext uri="{C183D7F6-B498-43B3-948B-1728B52AA6E4}">
+                <adec:decorative xmlns:adec="http://schemas.microsoft.com/office/drawing/2017/decorative" val="1"/>
+              </a:ext>
+            </a:extLst>
+          </p:cNvPr>
+          <p:cNvSpPr>
+            <a:spLocks noGrp="1" noRot="1" noChangeAspect="1" noMove="1" noResize="1" noEditPoints="1" noAdjustHandles="1" noChangeArrowheads="1" noChangeShapeType="1" noTextEdit="1"/>
+          </p:cNvSpPr>
+          <p:nvPr>
+            <p:extLst>
+              <p:ext uri="{386F3935-93C4-4BCD-93E2-E3B085C9AB24}">
+                <p16:designElem xmlns:p16="http://schemas.microsoft.com/office/powerpoint/2015/main" val="1"/>
+              </p:ext>
+            </p:extLst>
+          </p:nvPr>
+        </p:nvSpPr>
+        <p:spPr>
+          <a:xfrm>
+            <a:off x="1" y="0"/>
+            <a:ext cx="9143998" cy="5143500"/>
+          </a:xfrm>
+          <a:prstGeom prst="rect">
+            <a:avLst/>
+          </a:prstGeom>
+          <a:solidFill>
+            <a:schemeClr val="tx1"/>
+          </a:solidFill>
+          <a:ln>
+            <a:noFill/>
+          </a:ln>
+        </p:spPr>
+        <p:style>
+          <a:lnRef idx="2">
+            <a:schemeClr val="accent1">
+              <a:shade val="50000"/>
+            </a:schemeClr>
+          </a:lnRef>
+          <a:fillRef idx="1">
+            <a:schemeClr val="accent1"/>
+          </a:fillRef>
+          <a:effectRef idx="0">
+            <a:schemeClr val="accent1"/>
+          </a:effectRef>
+          <a:fontRef idx="minor">
+            <a:schemeClr val="lt1"/>
+          </a:fontRef>
+        </p:style>
+        <p:txBody>
+          <a:bodyPr rtlCol="0" anchor="ctr"/>
+          <a:lstStyle/>
+          <a:p>
+            <a:pPr algn="ctr"/>
+            <a:endParaRPr lang="en-US"/>
+          </a:p>
+        </p:txBody>
+      </p:sp>
+      <p:sp useBgFill="1">
+        <p:nvSpPr>
+          <p:cNvPr id="22" name="Freeform: Shape 21">
+            <a:extLst>
+              <a:ext uri="{FF2B5EF4-FFF2-40B4-BE49-F238E27FC236}">
+                <a16:creationId xmlns:a16="http://schemas.microsoft.com/office/drawing/2014/main" id="{91DE43FD-EB47-414A-B0AB-169B0FFFA527}"/>
+              </a:ext>
+              <a:ext uri="{C183D7F6-B498-43B3-948B-1728B52AA6E4}">
+                <adec:decorative xmlns:adec="http://schemas.microsoft.com/office/drawing/2017/decorative" val="1"/>
+              </a:ext>
+            </a:extLst>
+          </p:cNvPr>
+          <p:cNvSpPr>
+            <a:spLocks noGrp="1" noRot="1" noChangeAspect="1" noMove="1" noResize="1" noEditPoints="1" noAdjustHandles="1" noChangeArrowheads="1" noChangeShapeType="1" noTextEdit="1"/>
+          </p:cNvSpPr>
+          <p:nvPr>
+            <p:extLst>
+              <p:ext uri="{386F3935-93C4-4BCD-93E2-E3B085C9AB24}">
+                <p16:designElem xmlns:p16="http://schemas.microsoft.com/office/powerpoint/2015/main" val="1"/>
+              </p:ext>
+            </p:extLst>
+          </p:nvPr>
+        </p:nvSpPr>
+        <p:spPr>
+          <a:xfrm>
+            <a:off x="0" y="0"/>
+            <a:ext cx="6954691" cy="5143500"/>
+          </a:xfrm>
+          <a:custGeom>
+            <a:avLst/>
+            <a:gdLst>
+              <a:gd name="connsiteX0" fmla="*/ 0 w 9272922"/>
+              <a:gd name="connsiteY0" fmla="*/ 0 h 6858000"/>
+              <a:gd name="connsiteX1" fmla="*/ 1733417 w 9272922"/>
+              <a:gd name="connsiteY1" fmla="*/ 0 h 6858000"/>
+              <a:gd name="connsiteX2" fmla="*/ 3307976 w 9272922"/>
+              <a:gd name="connsiteY2" fmla="*/ 0 h 6858000"/>
+              <a:gd name="connsiteX3" fmla="*/ 8126249 w 9272922"/>
+              <a:gd name="connsiteY3" fmla="*/ 0 h 6858000"/>
+              <a:gd name="connsiteX4" fmla="*/ 8138896 w 9272922"/>
+              <a:gd name="connsiteY4" fmla="*/ 31774 h 6858000"/>
+              <a:gd name="connsiteX5" fmla="*/ 9193904 w 9272922"/>
+              <a:gd name="connsiteY5" fmla="*/ 2682457 h 6858000"/>
+              <a:gd name="connsiteX6" fmla="*/ 9193904 w 9272922"/>
+              <a:gd name="connsiteY6" fmla="*/ 3752208 h 6858000"/>
+              <a:gd name="connsiteX7" fmla="*/ 8036400 w 9272922"/>
+              <a:gd name="connsiteY7" fmla="*/ 6660411 h 6858000"/>
+              <a:gd name="connsiteX8" fmla="*/ 7957938 w 9272922"/>
+              <a:gd name="connsiteY8" fmla="*/ 6857542 h 6858000"/>
+              <a:gd name="connsiteX9" fmla="*/ 3307976 w 9272922"/>
+              <a:gd name="connsiteY9" fmla="*/ 6857542 h 6858000"/>
+              <a:gd name="connsiteX10" fmla="*/ 3307976 w 9272922"/>
+              <a:gd name="connsiteY10" fmla="*/ 6858000 h 6858000"/>
+              <a:gd name="connsiteX11" fmla="*/ 0 w 9272922"/>
+              <a:gd name="connsiteY11" fmla="*/ 6858000 h 6858000"/>
+            </a:gdLst>
+            <a:ahLst/>
+            <a:cxnLst>
+              <a:cxn ang="0">
+                <a:pos x="connsiteX0" y="connsiteY0"/>
+              </a:cxn>
+              <a:cxn ang="0">
+                <a:pos x="connsiteX1" y="connsiteY1"/>
+              </a:cxn>
+              <a:cxn ang="0">
+                <a:pos x="connsiteX2" y="connsiteY2"/>
+              </a:cxn>
+              <a:cxn ang="0">
+                <a:pos x="connsiteX3" y="connsiteY3"/>
+              </a:cxn>
+              <a:cxn ang="0">
+                <a:pos x="connsiteX4" y="connsiteY4"/>
+              </a:cxn>
+              <a:cxn ang="0">
+                <a:pos x="connsiteX5" y="connsiteY5"/>
+              </a:cxn>
+              <a:cxn ang="0">
+                <a:pos x="connsiteX6" y="connsiteY6"/>
+              </a:cxn>
+              <a:cxn ang="0">
+                <a:pos x="connsiteX7" y="connsiteY7"/>
+              </a:cxn>
+              <a:cxn ang="0">
+                <a:pos x="connsiteX8" y="connsiteY8"/>
+              </a:cxn>
+              <a:cxn ang="0">
+                <a:pos x="connsiteX9" y="connsiteY9"/>
+              </a:cxn>
+              <a:cxn ang="0">
+                <a:pos x="connsiteX10" y="connsiteY10"/>
+              </a:cxn>
+              <a:cxn ang="0">
+                <a:pos x="connsiteX11" y="connsiteY11"/>
+              </a:cxn>
+            </a:cxnLst>
+            <a:rect l="l" t="t" r="r" b="b"/>
+            <a:pathLst>
+              <a:path w="9272922" h="6858000">
+                <a:moveTo>
+                  <a:pt x="0" y="0"/>
+                </a:moveTo>
+                <a:lnTo>
+                  <a:pt x="1733417" y="0"/>
+                </a:lnTo>
+                <a:lnTo>
+                  <a:pt x="3307976" y="0"/>
+                </a:lnTo>
+                <a:lnTo>
+                  <a:pt x="8126249" y="0"/>
+                </a:lnTo>
+                <a:lnTo>
+                  <a:pt x="8138896" y="31774"/>
+                </a:lnTo>
+                <a:cubicBezTo>
+                  <a:pt x="9193904" y="2682457"/>
+                  <a:pt x="9193904" y="2682457"/>
+                  <a:pt x="9193904" y="2682457"/>
+                </a:cubicBezTo>
+                <a:cubicBezTo>
+                  <a:pt x="9299262" y="2988100"/>
+                  <a:pt x="9299262" y="3446565"/>
+                  <a:pt x="9193904" y="3752208"/>
+                </a:cubicBezTo>
+                <a:cubicBezTo>
+                  <a:pt x="8709916" y="4968215"/>
+                  <a:pt x="8331802" y="5918220"/>
+                  <a:pt x="8036400" y="6660411"/>
+                </a:cubicBezTo>
+                <a:lnTo>
+                  <a:pt x="7957938" y="6857542"/>
+                </a:lnTo>
+                <a:lnTo>
+                  <a:pt x="3307976" y="6857542"/>
+                </a:lnTo>
+                <a:lnTo>
+                  <a:pt x="3307976" y="6858000"/>
+                </a:lnTo>
+                <a:lnTo>
+                  <a:pt x="0" y="6858000"/>
+                </a:lnTo>
+                <a:close/>
+              </a:path>
+            </a:pathLst>
+          </a:custGeom>
+          <a:ln>
+            <a:noFill/>
+          </a:ln>
+        </p:spPr>
+        <p:style>
+          <a:lnRef idx="2">
+            <a:schemeClr val="accent1">
+              <a:shade val="50000"/>
+            </a:schemeClr>
+          </a:lnRef>
+          <a:fillRef idx="1">
+            <a:schemeClr val="accent1"/>
+          </a:fillRef>
+          <a:effectRef idx="0">
+            <a:schemeClr val="accent1"/>
+          </a:effectRef>
+          <a:fontRef idx="minor">
+            <a:schemeClr val="lt1"/>
+          </a:fontRef>
+        </p:style>
+        <p:txBody>
+          <a:bodyPr wrap="square" rtlCol="0" anchor="ctr">
+            <a:noAutofit/>
+          </a:bodyPr>
+          <a:lstStyle/>
+          <a:p>
+            <a:pPr algn="ctr"/>
+            <a:endParaRPr lang="en-US"/>
+          </a:p>
+        </p:txBody>
+      </p:sp>
       <p:pic>
         <p:nvPicPr>
           <p:cNvPr id="2" name="Picture 1" descr="sqlserver.png"/>
@@ -3105,26 +3351,428 @@
         </p:nvPicPr>
         <p:blipFill>
           <a:blip r:embed="rId2"/>
+          <a:srcRect l="2193" t="4481" r="3658" b="6674"/>
           <a:stretch>
             <a:fillRect/>
           </a:stretch>
         </p:blipFill>
         <p:spPr bwMode="auto">
           <a:xfrm>
-            <a:off x="457200" y="1524000"/>
-            <a:ext cx="8229600" cy="2222500"/>
+            <a:off x="131736" y="1619573"/>
+            <a:ext cx="6540285" cy="1666364"/>
           </a:xfrm>
           <a:prstGeom prst="rect">
             <a:avLst/>
           </a:prstGeom>
           <a:noFill/>
-          <a:ln w="9525">
-            <a:noFill/>
-            <a:headEnd/>
-            <a:tailEnd/>
-          </a:ln>
         </p:spPr>
       </p:pic>
+      <p:grpSp>
+        <p:nvGrpSpPr>
+          <p:cNvPr id="24" name="Group 23">
+            <a:extLst>
+              <a:ext uri="{FF2B5EF4-FFF2-40B4-BE49-F238E27FC236}">
+                <a16:creationId xmlns:a16="http://schemas.microsoft.com/office/drawing/2014/main" id="{58495BCC-CE77-4CC2-952E-846F41119FD5}"/>
+              </a:ext>
+              <a:ext uri="{C183D7F6-B498-43B3-948B-1728B52AA6E4}">
+                <adec:decorative xmlns:adec="http://schemas.microsoft.com/office/drawing/2017/decorative" val="1"/>
+              </a:ext>
+            </a:extLst>
+          </p:cNvPr>
+          <p:cNvGrpSpPr>
+            <a:grpSpLocks noGrp="1" noUngrp="1" noRot="1" noChangeAspect="1" noMove="1" noResize="1"/>
+          </p:cNvGrpSpPr>
+          <p:nvPr>
+            <p:extLst>
+              <p:ext uri="{386F3935-93C4-4BCD-93E2-E3B085C9AB24}">
+                <p16:designElem xmlns:p16="http://schemas.microsoft.com/office/powerpoint/2015/main" val="1"/>
+              </p:ext>
+            </p:extLst>
+          </p:nvPr>
+        </p:nvGrpSpPr>
+        <p:grpSpPr>
+          <a:xfrm>
+            <a:off x="6870420" y="806391"/>
+            <a:ext cx="1171701" cy="879729"/>
+            <a:chOff x="9160561" y="1075188"/>
+            <a:chExt cx="1562267" cy="1172973"/>
+          </a:xfrm>
+        </p:grpSpPr>
+        <p:sp>
+          <p:nvSpPr>
+            <p:cNvPr id="25" name="Freeform 5">
+              <a:extLst>
+                <a:ext uri="{FF2B5EF4-FFF2-40B4-BE49-F238E27FC236}">
+                  <a16:creationId xmlns:a16="http://schemas.microsoft.com/office/drawing/2014/main" id="{1B42538B-E30F-4967-A6C1-8EBA775F4D60}"/>
+                </a:ext>
+                <a:ext uri="{C183D7F6-B498-43B3-948B-1728B52AA6E4}">
+                  <adec:decorative xmlns:adec="http://schemas.microsoft.com/office/drawing/2017/decorative" val="1"/>
+                </a:ext>
+              </a:extLst>
+            </p:cNvPr>
+            <p:cNvSpPr>
+              <a:spLocks/>
+            </p:cNvSpPr>
+            <p:nvPr>
+              <p:extLst>
+                <p:ext uri="{386F3935-93C4-4BCD-93E2-E3B085C9AB24}">
+                  <p16:designElem xmlns:p16="http://schemas.microsoft.com/office/powerpoint/2015/main" val="1"/>
+                </p:ext>
+              </p:extLst>
+            </p:nvPr>
+          </p:nvSpPr>
+          <p:spPr bwMode="auto">
+            <a:xfrm>
+              <a:off x="9160561" y="1423846"/>
+              <a:ext cx="935037" cy="824315"/>
+            </a:xfrm>
+            <a:custGeom>
+              <a:avLst/>
+              <a:gdLst>
+                <a:gd name="T0" fmla="*/ 225 w 785"/>
+                <a:gd name="T1" fmla="*/ 692 h 692"/>
+                <a:gd name="T2" fmla="*/ 177 w 785"/>
+                <a:gd name="T3" fmla="*/ 665 h 692"/>
+                <a:gd name="T4" fmla="*/ 9 w 785"/>
+                <a:gd name="T5" fmla="*/ 374 h 692"/>
+                <a:gd name="T6" fmla="*/ 9 w 785"/>
+                <a:gd name="T7" fmla="*/ 318 h 692"/>
+                <a:gd name="T8" fmla="*/ 177 w 785"/>
+                <a:gd name="T9" fmla="*/ 27 h 692"/>
+                <a:gd name="T10" fmla="*/ 225 w 785"/>
+                <a:gd name="T11" fmla="*/ 0 h 692"/>
+                <a:gd name="T12" fmla="*/ 561 w 785"/>
+                <a:gd name="T13" fmla="*/ 0 h 692"/>
+                <a:gd name="T14" fmla="*/ 609 w 785"/>
+                <a:gd name="T15" fmla="*/ 27 h 692"/>
+                <a:gd name="T16" fmla="*/ 777 w 785"/>
+                <a:gd name="T17" fmla="*/ 318 h 692"/>
+                <a:gd name="T18" fmla="*/ 777 w 785"/>
+                <a:gd name="T19" fmla="*/ 374 h 692"/>
+                <a:gd name="T20" fmla="*/ 609 w 785"/>
+                <a:gd name="T21" fmla="*/ 665 h 692"/>
+                <a:gd name="T22" fmla="*/ 561 w 785"/>
+                <a:gd name="T23" fmla="*/ 692 h 692"/>
+                <a:gd name="T24" fmla="*/ 225 w 785"/>
+                <a:gd name="T25" fmla="*/ 692 h 692"/>
+              </a:gdLst>
+              <a:ahLst/>
+              <a:cxnLst>
+                <a:cxn ang="0">
+                  <a:pos x="T0" y="T1"/>
+                </a:cxn>
+                <a:cxn ang="0">
+                  <a:pos x="T2" y="T3"/>
+                </a:cxn>
+                <a:cxn ang="0">
+                  <a:pos x="T4" y="T5"/>
+                </a:cxn>
+                <a:cxn ang="0">
+                  <a:pos x="T6" y="T7"/>
+                </a:cxn>
+                <a:cxn ang="0">
+                  <a:pos x="T8" y="T9"/>
+                </a:cxn>
+                <a:cxn ang="0">
+                  <a:pos x="T10" y="T11"/>
+                </a:cxn>
+                <a:cxn ang="0">
+                  <a:pos x="T12" y="T13"/>
+                </a:cxn>
+                <a:cxn ang="0">
+                  <a:pos x="T14" y="T15"/>
+                </a:cxn>
+                <a:cxn ang="0">
+                  <a:pos x="T16" y="T17"/>
+                </a:cxn>
+                <a:cxn ang="0">
+                  <a:pos x="T18" y="T19"/>
+                </a:cxn>
+                <a:cxn ang="0">
+                  <a:pos x="T20" y="T21"/>
+                </a:cxn>
+                <a:cxn ang="0">
+                  <a:pos x="T22" y="T23"/>
+                </a:cxn>
+                <a:cxn ang="0">
+                  <a:pos x="T24" y="T25"/>
+                </a:cxn>
+              </a:cxnLst>
+              <a:rect l="0" t="0" r="r" b="b"/>
+              <a:pathLst>
+                <a:path w="785" h="692">
+                  <a:moveTo>
+                    <a:pt x="225" y="692"/>
+                  </a:moveTo>
+                  <a:cubicBezTo>
+                    <a:pt x="207" y="692"/>
+                    <a:pt x="185" y="680"/>
+                    <a:pt x="177" y="665"/>
+                  </a:cubicBezTo>
+                  <a:cubicBezTo>
+                    <a:pt x="9" y="374"/>
+                    <a:pt x="9" y="374"/>
+                    <a:pt x="9" y="374"/>
+                  </a:cubicBezTo>
+                  <a:cubicBezTo>
+                    <a:pt x="0" y="358"/>
+                    <a:pt x="0" y="334"/>
+                    <a:pt x="9" y="318"/>
+                  </a:cubicBezTo>
+                  <a:cubicBezTo>
+                    <a:pt x="177" y="27"/>
+                    <a:pt x="177" y="27"/>
+                    <a:pt x="177" y="27"/>
+                  </a:cubicBezTo>
+                  <a:cubicBezTo>
+                    <a:pt x="185" y="12"/>
+                    <a:pt x="207" y="0"/>
+                    <a:pt x="225" y="0"/>
+                  </a:cubicBezTo>
+                  <a:cubicBezTo>
+                    <a:pt x="561" y="0"/>
+                    <a:pt x="561" y="0"/>
+                    <a:pt x="561" y="0"/>
+                  </a:cubicBezTo>
+                  <a:cubicBezTo>
+                    <a:pt x="578" y="0"/>
+                    <a:pt x="600" y="12"/>
+                    <a:pt x="609" y="27"/>
+                  </a:cubicBezTo>
+                  <a:cubicBezTo>
+                    <a:pt x="777" y="318"/>
+                    <a:pt x="777" y="318"/>
+                    <a:pt x="777" y="318"/>
+                  </a:cubicBezTo>
+                  <a:cubicBezTo>
+                    <a:pt x="785" y="334"/>
+                    <a:pt x="785" y="358"/>
+                    <a:pt x="777" y="374"/>
+                  </a:cubicBezTo>
+                  <a:cubicBezTo>
+                    <a:pt x="609" y="665"/>
+                    <a:pt x="609" y="665"/>
+                    <a:pt x="609" y="665"/>
+                  </a:cubicBezTo>
+                  <a:cubicBezTo>
+                    <a:pt x="600" y="680"/>
+                    <a:pt x="578" y="692"/>
+                    <a:pt x="561" y="692"/>
+                  </a:cubicBezTo>
+                  <a:lnTo>
+                    <a:pt x="225" y="692"/>
+                  </a:lnTo>
+                  <a:close/>
+                </a:path>
+              </a:pathLst>
+            </a:custGeom>
+            <a:noFill/>
+            <a:ln w="28575" cmpd="sng">
+              <a:solidFill>
+                <a:schemeClr val="bg1"/>
+              </a:solidFill>
+            </a:ln>
+          </p:spPr>
+          <p:txBody>
+            <a:bodyPr vert="horz" wrap="square" lIns="91440" tIns="45720" rIns="91440" bIns="45720" numCol="1" anchor="t" anchorCtr="0" compatLnSpc="1">
+              <a:prstTxWarp prst="textNoShape">
+                <a:avLst/>
+              </a:prstTxWarp>
+            </a:bodyPr>
+            <a:lstStyle/>
+            <a:p>
+              <a:endParaRPr lang="en-US"/>
+            </a:p>
+          </p:txBody>
+        </p:sp>
+        <p:sp>
+          <p:nvSpPr>
+            <p:cNvPr id="26" name="Freeform 5">
+              <a:extLst>
+                <a:ext uri="{FF2B5EF4-FFF2-40B4-BE49-F238E27FC236}">
+                  <a16:creationId xmlns:a16="http://schemas.microsoft.com/office/drawing/2014/main" id="{9A6BD9AC-4DE7-4B20-8547-4E3B375C21F7}"/>
+                </a:ext>
+                <a:ext uri="{C183D7F6-B498-43B3-948B-1728B52AA6E4}">
+                  <adec:decorative xmlns:adec="http://schemas.microsoft.com/office/drawing/2017/decorative" val="1"/>
+                </a:ext>
+              </a:extLst>
+            </p:cNvPr>
+            <p:cNvSpPr>
+              <a:spLocks/>
+            </p:cNvSpPr>
+            <p:nvPr>
+              <p:extLst>
+                <p:ext uri="{386F3935-93C4-4BCD-93E2-E3B085C9AB24}">
+                  <p16:designElem xmlns:p16="http://schemas.microsoft.com/office/powerpoint/2015/main" val="1"/>
+                </p:ext>
+              </p:extLst>
+            </p:nvPr>
+          </p:nvSpPr>
+          <p:spPr bwMode="auto">
+            <a:xfrm>
+              <a:off x="9960661" y="1075188"/>
+              <a:ext cx="762167" cy="671915"/>
+            </a:xfrm>
+            <a:custGeom>
+              <a:avLst/>
+              <a:gdLst>
+                <a:gd name="T0" fmla="*/ 225 w 785"/>
+                <a:gd name="T1" fmla="*/ 692 h 692"/>
+                <a:gd name="T2" fmla="*/ 177 w 785"/>
+                <a:gd name="T3" fmla="*/ 665 h 692"/>
+                <a:gd name="T4" fmla="*/ 9 w 785"/>
+                <a:gd name="T5" fmla="*/ 374 h 692"/>
+                <a:gd name="T6" fmla="*/ 9 w 785"/>
+                <a:gd name="T7" fmla="*/ 318 h 692"/>
+                <a:gd name="T8" fmla="*/ 177 w 785"/>
+                <a:gd name="T9" fmla="*/ 27 h 692"/>
+                <a:gd name="T10" fmla="*/ 225 w 785"/>
+                <a:gd name="T11" fmla="*/ 0 h 692"/>
+                <a:gd name="T12" fmla="*/ 561 w 785"/>
+                <a:gd name="T13" fmla="*/ 0 h 692"/>
+                <a:gd name="T14" fmla="*/ 609 w 785"/>
+                <a:gd name="T15" fmla="*/ 27 h 692"/>
+                <a:gd name="T16" fmla="*/ 777 w 785"/>
+                <a:gd name="T17" fmla="*/ 318 h 692"/>
+                <a:gd name="T18" fmla="*/ 777 w 785"/>
+                <a:gd name="T19" fmla="*/ 374 h 692"/>
+                <a:gd name="T20" fmla="*/ 609 w 785"/>
+                <a:gd name="T21" fmla="*/ 665 h 692"/>
+                <a:gd name="T22" fmla="*/ 561 w 785"/>
+                <a:gd name="T23" fmla="*/ 692 h 692"/>
+                <a:gd name="T24" fmla="*/ 225 w 785"/>
+                <a:gd name="T25" fmla="*/ 692 h 692"/>
+              </a:gdLst>
+              <a:ahLst/>
+              <a:cxnLst>
+                <a:cxn ang="0">
+                  <a:pos x="T0" y="T1"/>
+                </a:cxn>
+                <a:cxn ang="0">
+                  <a:pos x="T2" y="T3"/>
+                </a:cxn>
+                <a:cxn ang="0">
+                  <a:pos x="T4" y="T5"/>
+                </a:cxn>
+                <a:cxn ang="0">
+                  <a:pos x="T6" y="T7"/>
+                </a:cxn>
+                <a:cxn ang="0">
+                  <a:pos x="T8" y="T9"/>
+                </a:cxn>
+                <a:cxn ang="0">
+                  <a:pos x="T10" y="T11"/>
+                </a:cxn>
+                <a:cxn ang="0">
+                  <a:pos x="T12" y="T13"/>
+                </a:cxn>
+                <a:cxn ang="0">
+                  <a:pos x="T14" y="T15"/>
+                </a:cxn>
+                <a:cxn ang="0">
+                  <a:pos x="T16" y="T17"/>
+                </a:cxn>
+                <a:cxn ang="0">
+                  <a:pos x="T18" y="T19"/>
+                </a:cxn>
+                <a:cxn ang="0">
+                  <a:pos x="T20" y="T21"/>
+                </a:cxn>
+                <a:cxn ang="0">
+                  <a:pos x="T22" y="T23"/>
+                </a:cxn>
+                <a:cxn ang="0">
+                  <a:pos x="T24" y="T25"/>
+                </a:cxn>
+              </a:cxnLst>
+              <a:rect l="0" t="0" r="r" b="b"/>
+              <a:pathLst>
+                <a:path w="785" h="692">
+                  <a:moveTo>
+                    <a:pt x="225" y="692"/>
+                  </a:moveTo>
+                  <a:cubicBezTo>
+                    <a:pt x="207" y="692"/>
+                    <a:pt x="185" y="680"/>
+                    <a:pt x="177" y="665"/>
+                  </a:cubicBezTo>
+                  <a:cubicBezTo>
+                    <a:pt x="9" y="374"/>
+                    <a:pt x="9" y="374"/>
+                    <a:pt x="9" y="374"/>
+                  </a:cubicBezTo>
+                  <a:cubicBezTo>
+                    <a:pt x="0" y="358"/>
+                    <a:pt x="0" y="334"/>
+                    <a:pt x="9" y="318"/>
+                  </a:cubicBezTo>
+                  <a:cubicBezTo>
+                    <a:pt x="177" y="27"/>
+                    <a:pt x="177" y="27"/>
+                    <a:pt x="177" y="27"/>
+                  </a:cubicBezTo>
+                  <a:cubicBezTo>
+                    <a:pt x="185" y="12"/>
+                    <a:pt x="207" y="0"/>
+                    <a:pt x="225" y="0"/>
+                  </a:cubicBezTo>
+                  <a:cubicBezTo>
+                    <a:pt x="561" y="0"/>
+                    <a:pt x="561" y="0"/>
+                    <a:pt x="561" y="0"/>
+                  </a:cubicBezTo>
+                  <a:cubicBezTo>
+                    <a:pt x="578" y="0"/>
+                    <a:pt x="600" y="12"/>
+                    <a:pt x="609" y="27"/>
+                  </a:cubicBezTo>
+                  <a:cubicBezTo>
+                    <a:pt x="777" y="318"/>
+                    <a:pt x="777" y="318"/>
+                    <a:pt x="777" y="318"/>
+                  </a:cubicBezTo>
+                  <a:cubicBezTo>
+                    <a:pt x="785" y="334"/>
+                    <a:pt x="785" y="358"/>
+                    <a:pt x="777" y="374"/>
+                  </a:cubicBezTo>
+                  <a:cubicBezTo>
+                    <a:pt x="609" y="665"/>
+                    <a:pt x="609" y="665"/>
+                    <a:pt x="609" y="665"/>
+                  </a:cubicBezTo>
+                  <a:cubicBezTo>
+                    <a:pt x="600" y="680"/>
+                    <a:pt x="578" y="692"/>
+                    <a:pt x="561" y="692"/>
+                  </a:cubicBezTo>
+                  <a:lnTo>
+                    <a:pt x="225" y="692"/>
+                  </a:lnTo>
+                  <a:close/>
+                </a:path>
+              </a:pathLst>
+            </a:custGeom>
+            <a:noFill/>
+            <a:ln w="28575" cmpd="sng">
+              <a:solidFill>
+                <a:schemeClr val="bg1"/>
+              </a:solidFill>
+            </a:ln>
+          </p:spPr>
+          <p:txBody>
+            <a:bodyPr vert="horz" wrap="square" lIns="91440" tIns="45720" rIns="91440" bIns="45720" numCol="1" anchor="t" anchorCtr="0" compatLnSpc="1">
+              <a:prstTxWarp prst="textNoShape">
+                <a:avLst/>
+              </a:prstTxWarp>
+            </a:bodyPr>
+            <a:lstStyle/>
+            <a:p>
+              <a:endParaRPr lang="en-US"/>
+            </a:p>
+          </p:txBody>
+        </p:sp>
+      </p:grpSp>
     </p:spTree>
   </p:cSld>
   <p:clrMapOvr>
@@ -3160,38 +3808,57 @@
             <p:ph type="title"/>
           </p:nvPr>
         </p:nvSpPr>
-        <p:spPr/>
-        <p:txBody>
-          <a:bodyPr/>
-          <a:lstStyle/>
-          <a:p>
-            <a:pPr marL="0" lvl="0" indent="0">
-              <a:buNone/>
-            </a:pPr>
-            <a:r>
-              <a:rPr dirty="0"/>
-              <a:t>Introduction to SQL Server</a:t>
-            </a:r>
-          </a:p>
-        </p:txBody>
-      </p:sp>
-      <p:sp>
-        <p:nvSpPr>
-          <p:cNvPr id="3" name="Content Placeholder 2"/>
-          <p:cNvSpPr>
-            <a:spLocks noGrp="1"/>
-          </p:cNvSpPr>
-          <p:nvPr>
-            <p:ph idx="1"/>
-          </p:nvPr>
-        </p:nvSpPr>
-        <p:spPr/>
+        <p:spPr>
+          <a:xfrm>
+            <a:off x="0" y="1"/>
+            <a:ext cx="9144000" cy="548876"/>
+          </a:xfrm>
+          <a:solidFill>
+            <a:schemeClr val="tx1"/>
+          </a:solidFill>
+        </p:spPr>
         <p:txBody>
           <a:bodyPr>
             <a:normAutofit/>
           </a:bodyPr>
           <a:lstStyle/>
           <a:p>
+            <a:pPr marL="0" lvl="0" indent="0" algn="l">
+              <a:buNone/>
+            </a:pPr>
+            <a:r>
+              <a:rPr sz="2800" dirty="0">
+                <a:solidFill>
+                  <a:schemeClr val="bg1"/>
+                </a:solidFill>
+              </a:rPr>
+              <a:t>Introduction to SQL Server</a:t>
+            </a:r>
+          </a:p>
+        </p:txBody>
+      </p:sp>
+      <p:sp>
+        <p:nvSpPr>
+          <p:cNvPr id="3" name="Content Placeholder 2"/>
+          <p:cNvSpPr>
+            <a:spLocks noGrp="1"/>
+          </p:cNvSpPr>
+          <p:nvPr>
+            <p:ph idx="1"/>
+          </p:nvPr>
+        </p:nvSpPr>
+        <p:spPr>
+          <a:xfrm>
+            <a:off x="457200" y="874514"/>
+            <a:ext cx="8229600" cy="3394472"/>
+          </a:xfrm>
+        </p:spPr>
+        <p:txBody>
+          <a:bodyPr>
+            <a:normAutofit/>
+          </a:bodyPr>
+          <a:lstStyle/>
+          <a:p>
             <a:pPr lvl="0"/>
             <a:r>
               <a:rPr sz="1800" dirty="0"/>
@@ -3211,6 +3878,99 @@
               <a:rPr sz="1800" dirty="0"/>
               <a:t>SQL Server is widely adopted in enterprises for use cases ranging from small databases to large-scale, business-critical systems.</a:t>
             </a:r>
+          </a:p>
+        </p:txBody>
+      </p:sp>
+      <p:pic>
+        <p:nvPicPr>
+          <p:cNvPr id="5" name="Picture 4">
+            <a:extLst>
+              <a:ext uri="{FF2B5EF4-FFF2-40B4-BE49-F238E27FC236}">
+                <a16:creationId xmlns:a16="http://schemas.microsoft.com/office/drawing/2014/main" id="{843AECAA-C103-72B8-9542-D762C8290ECC}"/>
+              </a:ext>
+            </a:extLst>
+          </p:cNvPr>
+          <p:cNvPicPr>
+            <a:picLocks noChangeAspect="1"/>
+          </p:cNvPicPr>
+          <p:nvPr/>
+        </p:nvPicPr>
+        <p:blipFill>
+          <a:blip r:embed="rId2"/>
+          <a:stretch>
+            <a:fillRect/>
+          </a:stretch>
+        </p:blipFill>
+        <p:spPr>
+          <a:xfrm>
+            <a:off x="5763675" y="51792"/>
+            <a:ext cx="3380325" cy="445294"/>
+          </a:xfrm>
+          <a:prstGeom prst="rect">
+            <a:avLst/>
+          </a:prstGeom>
+        </p:spPr>
+      </p:pic>
+      <p:sp>
+        <p:nvSpPr>
+          <p:cNvPr id="6" name="Title 1">
+            <a:extLst>
+              <a:ext uri="{FF2B5EF4-FFF2-40B4-BE49-F238E27FC236}">
+                <a16:creationId xmlns:a16="http://schemas.microsoft.com/office/drawing/2014/main" id="{A51FB144-C178-0B45-712B-F2F93FAD1648}"/>
+              </a:ext>
+            </a:extLst>
+          </p:cNvPr>
+          <p:cNvSpPr txBox="1">
+            <a:spLocks/>
+          </p:cNvSpPr>
+          <p:nvPr/>
+        </p:nvSpPr>
+        <p:spPr>
+          <a:xfrm>
+            <a:off x="0" y="4858718"/>
+            <a:ext cx="9144000" cy="284781"/>
+          </a:xfrm>
+          <a:prstGeom prst="rect">
+            <a:avLst/>
+          </a:prstGeom>
+          <a:solidFill>
+            <a:schemeClr val="tx1"/>
+          </a:solidFill>
+        </p:spPr>
+        <p:txBody>
+          <a:bodyPr vert="horz" lIns="91440" tIns="45720" rIns="91440" bIns="45720" rtlCol="0" anchor="ctr">
+            <a:normAutofit/>
+          </a:bodyPr>
+          <a:lstStyle>
+            <a:lvl1pPr algn="ctr" defTabSz="342900" rtl="0" eaLnBrk="1" latinLnBrk="0" hangingPunct="1">
+              <a:spcBef>
+                <a:spcPct val="0"/>
+              </a:spcBef>
+              <a:buNone/>
+              <a:defRPr sz="3300" kern="1200">
+                <a:solidFill>
+                  <a:schemeClr val="tx1"/>
+                </a:solidFill>
+                <a:latin typeface="+mj-lt"/>
+                <a:ea typeface="+mj-ea"/>
+                <a:cs typeface="+mj-cs"/>
+              </a:defRPr>
+            </a:lvl1pPr>
+          </a:lstStyle>
+          <a:p>
+            <a:r>
+              <a:rPr lang="en-IN" sz="1200" dirty="0">
+                <a:solidFill>
+                  <a:schemeClr val="bg1"/>
+                </a:solidFill>
+              </a:rPr>
+              <a:t>(©) tinitiate.com</a:t>
+            </a:r>
+            <a:endParaRPr lang="en-IN" sz="1000" dirty="0">
+              <a:solidFill>
+                <a:schemeClr val="bg1"/>
+              </a:solidFill>
+            </a:endParaRPr>
           </a:p>
         </p:txBody>
       </p:sp>
@@ -3241,31 +4001,6 @@
       </p:grpSpPr>
       <p:sp>
         <p:nvSpPr>
-          <p:cNvPr id="2" name="Title 1"/>
-          <p:cNvSpPr>
-            <a:spLocks noGrp="1"/>
-          </p:cNvSpPr>
-          <p:nvPr>
-            <p:ph type="title"/>
-          </p:nvPr>
-        </p:nvSpPr>
-        <p:spPr/>
-        <p:txBody>
-          <a:bodyPr/>
-          <a:lstStyle/>
-          <a:p>
-            <a:pPr marL="0" lvl="0" indent="0">
-              <a:buNone/>
-            </a:pPr>
-            <a:r>
-              <a:rPr dirty="0"/>
-              <a:t>Key Features of SQL Server</a:t>
-            </a:r>
-          </a:p>
-        </p:txBody>
-      </p:sp>
-      <p:sp>
-        <p:nvSpPr>
           <p:cNvPr id="3" name="Content Placeholder 2"/>
           <p:cNvSpPr>
             <a:spLocks noGrp="1"/>
@@ -3274,7 +4009,12 @@
             <p:ph idx="1"/>
           </p:nvPr>
         </p:nvSpPr>
-        <p:spPr/>
+        <p:spPr>
+          <a:xfrm>
+            <a:off x="457200" y="874514"/>
+            <a:ext cx="8229600" cy="3394472"/>
+          </a:xfrm>
+        </p:spPr>
         <p:txBody>
           <a:bodyPr>
             <a:noAutofit/>
@@ -3321,6 +4061,163 @@
               <a:rPr sz="1800" dirty="0"/>
               <a:t>SQL allows for precise data retrieval, record insertion, updates, and deletion operations.</a:t>
             </a:r>
+          </a:p>
+        </p:txBody>
+      </p:sp>
+      <p:sp>
+        <p:nvSpPr>
+          <p:cNvPr id="7" name="Title 1">
+            <a:extLst>
+              <a:ext uri="{FF2B5EF4-FFF2-40B4-BE49-F238E27FC236}">
+                <a16:creationId xmlns:a16="http://schemas.microsoft.com/office/drawing/2014/main" id="{65865700-7CCF-2447-12BE-C31CB6ACAA67}"/>
+              </a:ext>
+            </a:extLst>
+          </p:cNvPr>
+          <p:cNvSpPr txBox="1">
+            <a:spLocks/>
+          </p:cNvSpPr>
+          <p:nvPr/>
+        </p:nvSpPr>
+        <p:spPr>
+          <a:xfrm>
+            <a:off x="0" y="1"/>
+            <a:ext cx="9144000" cy="548876"/>
+          </a:xfrm>
+          <a:prstGeom prst="rect">
+            <a:avLst/>
+          </a:prstGeom>
+          <a:solidFill>
+            <a:schemeClr val="tx1"/>
+          </a:solidFill>
+        </p:spPr>
+        <p:txBody>
+          <a:bodyPr vert="horz" lIns="91440" tIns="45720" rIns="91440" bIns="45720" rtlCol="0" anchor="ctr">
+            <a:normAutofit/>
+          </a:bodyPr>
+          <a:lstStyle>
+            <a:lvl1pPr algn="ctr" defTabSz="342900" rtl="0" eaLnBrk="1" latinLnBrk="0" hangingPunct="1">
+              <a:spcBef>
+                <a:spcPct val="0"/>
+              </a:spcBef>
+              <a:buNone/>
+              <a:defRPr sz="3300" kern="1200">
+                <a:solidFill>
+                  <a:schemeClr val="tx1"/>
+                </a:solidFill>
+                <a:latin typeface="+mj-lt"/>
+                <a:ea typeface="+mj-ea"/>
+                <a:cs typeface="+mj-cs"/>
+              </a:defRPr>
+            </a:lvl1pPr>
+          </a:lstStyle>
+          <a:p>
+            <a:pPr algn="l"/>
+            <a:r>
+              <a:rPr lang="en-US" sz="2800" dirty="0">
+                <a:solidFill>
+                  <a:schemeClr val="bg1"/>
+                </a:solidFill>
+              </a:rPr>
+              <a:t>Key Features of SQL Server</a:t>
+            </a:r>
+            <a:endParaRPr lang="en-IN" sz="2800" dirty="0">
+              <a:solidFill>
+                <a:schemeClr val="bg1"/>
+              </a:solidFill>
+            </a:endParaRPr>
+          </a:p>
+        </p:txBody>
+      </p:sp>
+      <p:pic>
+        <p:nvPicPr>
+          <p:cNvPr id="8" name="Picture 7">
+            <a:extLst>
+              <a:ext uri="{FF2B5EF4-FFF2-40B4-BE49-F238E27FC236}">
+                <a16:creationId xmlns:a16="http://schemas.microsoft.com/office/drawing/2014/main" id="{A62EB117-084B-3D56-6F7B-947C236DB68A}"/>
+              </a:ext>
+            </a:extLst>
+          </p:cNvPr>
+          <p:cNvPicPr>
+            <a:picLocks noChangeAspect="1"/>
+          </p:cNvPicPr>
+          <p:nvPr/>
+        </p:nvPicPr>
+        <p:blipFill>
+          <a:blip r:embed="rId2"/>
+          <a:stretch>
+            <a:fillRect/>
+          </a:stretch>
+        </p:blipFill>
+        <p:spPr>
+          <a:xfrm>
+            <a:off x="5763675" y="51792"/>
+            <a:ext cx="3380325" cy="445294"/>
+          </a:xfrm>
+          <a:prstGeom prst="rect">
+            <a:avLst/>
+          </a:prstGeom>
+        </p:spPr>
+      </p:pic>
+      <p:sp>
+        <p:nvSpPr>
+          <p:cNvPr id="9" name="Title 1">
+            <a:extLst>
+              <a:ext uri="{FF2B5EF4-FFF2-40B4-BE49-F238E27FC236}">
+                <a16:creationId xmlns:a16="http://schemas.microsoft.com/office/drawing/2014/main" id="{48556E8E-7D37-A53A-E268-D54182C79043}"/>
+              </a:ext>
+            </a:extLst>
+          </p:cNvPr>
+          <p:cNvSpPr txBox="1">
+            <a:spLocks/>
+          </p:cNvSpPr>
+          <p:nvPr/>
+        </p:nvSpPr>
+        <p:spPr>
+          <a:xfrm>
+            <a:off x="0" y="4858718"/>
+            <a:ext cx="9144000" cy="284781"/>
+          </a:xfrm>
+          <a:prstGeom prst="rect">
+            <a:avLst/>
+          </a:prstGeom>
+          <a:solidFill>
+            <a:schemeClr val="tx1"/>
+          </a:solidFill>
+        </p:spPr>
+        <p:txBody>
+          <a:bodyPr vert="horz" lIns="91440" tIns="45720" rIns="91440" bIns="45720" rtlCol="0" anchor="ctr">
+            <a:normAutofit/>
+          </a:bodyPr>
+          <a:lstStyle>
+            <a:lvl1pPr algn="ctr" defTabSz="342900" rtl="0" eaLnBrk="1" latinLnBrk="0" hangingPunct="1">
+              <a:spcBef>
+                <a:spcPct val="0"/>
+              </a:spcBef>
+              <a:buNone/>
+              <a:defRPr sz="3300" kern="1200">
+                <a:solidFill>
+                  <a:schemeClr val="tx1"/>
+                </a:solidFill>
+                <a:latin typeface="+mj-lt"/>
+                <a:ea typeface="+mj-ea"/>
+                <a:cs typeface="+mj-cs"/>
+              </a:defRPr>
+            </a:lvl1pPr>
+          </a:lstStyle>
+          <a:p>
+            <a:r>
+              <a:rPr lang="en-IN" sz="1200" dirty="0">
+                <a:solidFill>
+                  <a:schemeClr val="bg1"/>
+                </a:solidFill>
+              </a:rPr>
+              <a:t>(©) tinitiate.com</a:t>
+            </a:r>
+            <a:endParaRPr lang="en-IN" sz="1000" dirty="0">
+              <a:solidFill>
+                <a:schemeClr val="bg1"/>
+              </a:solidFill>
+            </a:endParaRPr>
           </a:p>
         </p:txBody>
       </p:sp>
@@ -3357,37 +4254,6 @@
       </p:grpSpPr>
       <p:sp>
         <p:nvSpPr>
-          <p:cNvPr id="2" name="Title 1">
-            <a:extLst>
-              <a:ext uri="{FF2B5EF4-FFF2-40B4-BE49-F238E27FC236}">
-                <a16:creationId xmlns:a16="http://schemas.microsoft.com/office/drawing/2014/main" id="{C5521B42-48CF-023B-0E2A-ECD996641C05}"/>
-              </a:ext>
-            </a:extLst>
-          </p:cNvPr>
-          <p:cNvSpPr>
-            <a:spLocks noGrp="1"/>
-          </p:cNvSpPr>
-          <p:nvPr>
-            <p:ph type="title"/>
-          </p:nvPr>
-        </p:nvSpPr>
-        <p:spPr/>
-        <p:txBody>
-          <a:bodyPr/>
-          <a:lstStyle/>
-          <a:p>
-            <a:pPr marL="0" lvl="0" indent="0">
-              <a:buNone/>
-            </a:pPr>
-            <a:r>
-              <a:rPr dirty="0"/>
-              <a:t>Key Features of SQL Server</a:t>
-            </a:r>
-          </a:p>
-        </p:txBody>
-      </p:sp>
-      <p:sp>
-        <p:nvSpPr>
           <p:cNvPr id="3" name="Content Placeholder 2">
             <a:extLst>
               <a:ext uri="{FF2B5EF4-FFF2-40B4-BE49-F238E27FC236}">
@@ -3402,7 +4268,12 @@
             <p:ph idx="1"/>
           </p:nvPr>
         </p:nvSpPr>
-        <p:spPr/>
+        <p:spPr>
+          <a:xfrm>
+            <a:off x="457200" y="874514"/>
+            <a:ext cx="8229600" cy="3394472"/>
+          </a:xfrm>
+        </p:spPr>
         <p:txBody>
           <a:bodyPr>
             <a:noAutofit/>
@@ -3495,6 +4366,163 @@
               <a:rPr sz="1800" dirty="0"/>
               <a:t>It also supports machine learning, data mining, and advanced analysis.</a:t>
             </a:r>
+          </a:p>
+        </p:txBody>
+      </p:sp>
+      <p:sp>
+        <p:nvSpPr>
+          <p:cNvPr id="7" name="Title 1">
+            <a:extLst>
+              <a:ext uri="{FF2B5EF4-FFF2-40B4-BE49-F238E27FC236}">
+                <a16:creationId xmlns:a16="http://schemas.microsoft.com/office/drawing/2014/main" id="{3EF77A35-A239-A1E2-2959-F395B2ECAE7E}"/>
+              </a:ext>
+            </a:extLst>
+          </p:cNvPr>
+          <p:cNvSpPr txBox="1">
+            <a:spLocks/>
+          </p:cNvSpPr>
+          <p:nvPr/>
+        </p:nvSpPr>
+        <p:spPr>
+          <a:xfrm>
+            <a:off x="0" y="1"/>
+            <a:ext cx="9144000" cy="548876"/>
+          </a:xfrm>
+          <a:prstGeom prst="rect">
+            <a:avLst/>
+          </a:prstGeom>
+          <a:solidFill>
+            <a:schemeClr val="tx1"/>
+          </a:solidFill>
+        </p:spPr>
+        <p:txBody>
+          <a:bodyPr vert="horz" lIns="91440" tIns="45720" rIns="91440" bIns="45720" rtlCol="0" anchor="ctr">
+            <a:normAutofit/>
+          </a:bodyPr>
+          <a:lstStyle>
+            <a:lvl1pPr algn="ctr" defTabSz="342900" rtl="0" eaLnBrk="1" latinLnBrk="0" hangingPunct="1">
+              <a:spcBef>
+                <a:spcPct val="0"/>
+              </a:spcBef>
+              <a:buNone/>
+              <a:defRPr sz="3300" kern="1200">
+                <a:solidFill>
+                  <a:schemeClr val="tx1"/>
+                </a:solidFill>
+                <a:latin typeface="+mj-lt"/>
+                <a:ea typeface="+mj-ea"/>
+                <a:cs typeface="+mj-cs"/>
+              </a:defRPr>
+            </a:lvl1pPr>
+          </a:lstStyle>
+          <a:p>
+            <a:pPr algn="l"/>
+            <a:r>
+              <a:rPr lang="en-US" sz="2800" dirty="0">
+                <a:solidFill>
+                  <a:schemeClr val="bg1"/>
+                </a:solidFill>
+              </a:rPr>
+              <a:t>Key Features of SQL Server</a:t>
+            </a:r>
+            <a:endParaRPr lang="en-IN" sz="2800" dirty="0">
+              <a:solidFill>
+                <a:schemeClr val="bg1"/>
+              </a:solidFill>
+            </a:endParaRPr>
+          </a:p>
+        </p:txBody>
+      </p:sp>
+      <p:pic>
+        <p:nvPicPr>
+          <p:cNvPr id="8" name="Picture 7">
+            <a:extLst>
+              <a:ext uri="{FF2B5EF4-FFF2-40B4-BE49-F238E27FC236}">
+                <a16:creationId xmlns:a16="http://schemas.microsoft.com/office/drawing/2014/main" id="{38EE4E9F-C902-7446-728B-D781FB7801AF}"/>
+              </a:ext>
+            </a:extLst>
+          </p:cNvPr>
+          <p:cNvPicPr>
+            <a:picLocks noChangeAspect="1"/>
+          </p:cNvPicPr>
+          <p:nvPr/>
+        </p:nvPicPr>
+        <p:blipFill>
+          <a:blip r:embed="rId2"/>
+          <a:stretch>
+            <a:fillRect/>
+          </a:stretch>
+        </p:blipFill>
+        <p:spPr>
+          <a:xfrm>
+            <a:off x="5763675" y="51792"/>
+            <a:ext cx="3380325" cy="445294"/>
+          </a:xfrm>
+          <a:prstGeom prst="rect">
+            <a:avLst/>
+          </a:prstGeom>
+        </p:spPr>
+      </p:pic>
+      <p:sp>
+        <p:nvSpPr>
+          <p:cNvPr id="9" name="Title 1">
+            <a:extLst>
+              <a:ext uri="{FF2B5EF4-FFF2-40B4-BE49-F238E27FC236}">
+                <a16:creationId xmlns:a16="http://schemas.microsoft.com/office/drawing/2014/main" id="{A9DF87D2-FB6A-87D4-8E9C-A81C0067633D}"/>
+              </a:ext>
+            </a:extLst>
+          </p:cNvPr>
+          <p:cNvSpPr txBox="1">
+            <a:spLocks/>
+          </p:cNvSpPr>
+          <p:nvPr/>
+        </p:nvSpPr>
+        <p:spPr>
+          <a:xfrm>
+            <a:off x="0" y="4858718"/>
+            <a:ext cx="9144000" cy="284781"/>
+          </a:xfrm>
+          <a:prstGeom prst="rect">
+            <a:avLst/>
+          </a:prstGeom>
+          <a:solidFill>
+            <a:schemeClr val="tx1"/>
+          </a:solidFill>
+        </p:spPr>
+        <p:txBody>
+          <a:bodyPr vert="horz" lIns="91440" tIns="45720" rIns="91440" bIns="45720" rtlCol="0" anchor="ctr">
+            <a:normAutofit/>
+          </a:bodyPr>
+          <a:lstStyle>
+            <a:lvl1pPr algn="ctr" defTabSz="342900" rtl="0" eaLnBrk="1" latinLnBrk="0" hangingPunct="1">
+              <a:spcBef>
+                <a:spcPct val="0"/>
+              </a:spcBef>
+              <a:buNone/>
+              <a:defRPr sz="3300" kern="1200">
+                <a:solidFill>
+                  <a:schemeClr val="tx1"/>
+                </a:solidFill>
+                <a:latin typeface="+mj-lt"/>
+                <a:ea typeface="+mj-ea"/>
+                <a:cs typeface="+mj-cs"/>
+              </a:defRPr>
+            </a:lvl1pPr>
+          </a:lstStyle>
+          <a:p>
+            <a:r>
+              <a:rPr lang="en-IN" sz="1200" dirty="0">
+                <a:solidFill>
+                  <a:schemeClr val="bg1"/>
+                </a:solidFill>
+              </a:rPr>
+              <a:t>(©) tinitiate.com</a:t>
+            </a:r>
+            <a:endParaRPr lang="en-IN" sz="1000" dirty="0">
+              <a:solidFill>
+                <a:schemeClr val="bg1"/>
+              </a:solidFill>
+            </a:endParaRPr>
           </a:p>
         </p:txBody>
       </p:sp>
@@ -3530,31 +4558,6 @@
       </p:grpSpPr>
       <p:sp>
         <p:nvSpPr>
-          <p:cNvPr id="2" name="Title 1"/>
-          <p:cNvSpPr>
-            <a:spLocks noGrp="1"/>
-          </p:cNvSpPr>
-          <p:nvPr>
-            <p:ph type="title"/>
-          </p:nvPr>
-        </p:nvSpPr>
-        <p:spPr/>
-        <p:txBody>
-          <a:bodyPr/>
-          <a:lstStyle/>
-          <a:p>
-            <a:pPr marL="0" lvl="0" indent="0">
-              <a:buNone/>
-            </a:pPr>
-            <a:r>
-              <a:rPr dirty="0"/>
-              <a:t>Use Cases for SQL Server</a:t>
-            </a:r>
-          </a:p>
-        </p:txBody>
-      </p:sp>
-      <p:sp>
-        <p:nvSpPr>
           <p:cNvPr id="3" name="Content Placeholder 2"/>
           <p:cNvSpPr>
             <a:spLocks noGrp="1"/>
@@ -3563,7 +4566,12 @@
             <p:ph idx="1"/>
           </p:nvPr>
         </p:nvSpPr>
-        <p:spPr/>
+        <p:spPr>
+          <a:xfrm>
+            <a:off x="457200" y="874514"/>
+            <a:ext cx="8229600" cy="3394472"/>
+          </a:xfrm>
+        </p:spPr>
         <p:txBody>
           <a:bodyPr>
             <a:noAutofit/>
@@ -3612,6 +4620,163 @@
               <a:rPr sz="1800" dirty="0"/>
               <a:t> SQL Server is often the backend for CRM, ERP, and inventory management systems, where performance and data integrity are essential.</a:t>
             </a:r>
+          </a:p>
+        </p:txBody>
+      </p:sp>
+      <p:sp>
+        <p:nvSpPr>
+          <p:cNvPr id="7" name="Title 1">
+            <a:extLst>
+              <a:ext uri="{FF2B5EF4-FFF2-40B4-BE49-F238E27FC236}">
+                <a16:creationId xmlns:a16="http://schemas.microsoft.com/office/drawing/2014/main" id="{D207999D-3EEC-2CA8-7328-0578AEBAF2CF}"/>
+              </a:ext>
+            </a:extLst>
+          </p:cNvPr>
+          <p:cNvSpPr txBox="1">
+            <a:spLocks/>
+          </p:cNvSpPr>
+          <p:nvPr/>
+        </p:nvSpPr>
+        <p:spPr>
+          <a:xfrm>
+            <a:off x="0" y="1"/>
+            <a:ext cx="9144000" cy="548876"/>
+          </a:xfrm>
+          <a:prstGeom prst="rect">
+            <a:avLst/>
+          </a:prstGeom>
+          <a:solidFill>
+            <a:schemeClr val="tx1"/>
+          </a:solidFill>
+        </p:spPr>
+        <p:txBody>
+          <a:bodyPr vert="horz" lIns="91440" tIns="45720" rIns="91440" bIns="45720" rtlCol="0" anchor="ctr">
+            <a:normAutofit/>
+          </a:bodyPr>
+          <a:lstStyle>
+            <a:lvl1pPr algn="ctr" defTabSz="342900" rtl="0" eaLnBrk="1" latinLnBrk="0" hangingPunct="1">
+              <a:spcBef>
+                <a:spcPct val="0"/>
+              </a:spcBef>
+              <a:buNone/>
+              <a:defRPr sz="3300" kern="1200">
+                <a:solidFill>
+                  <a:schemeClr val="tx1"/>
+                </a:solidFill>
+                <a:latin typeface="+mj-lt"/>
+                <a:ea typeface="+mj-ea"/>
+                <a:cs typeface="+mj-cs"/>
+              </a:defRPr>
+            </a:lvl1pPr>
+          </a:lstStyle>
+          <a:p>
+            <a:pPr algn="l"/>
+            <a:r>
+              <a:rPr lang="en-US" sz="2800" dirty="0">
+                <a:solidFill>
+                  <a:schemeClr val="bg1"/>
+                </a:solidFill>
+              </a:rPr>
+              <a:t>Use Cases for SQL Server</a:t>
+            </a:r>
+            <a:endParaRPr lang="en-IN" sz="2800" dirty="0">
+              <a:solidFill>
+                <a:schemeClr val="bg1"/>
+              </a:solidFill>
+            </a:endParaRPr>
+          </a:p>
+        </p:txBody>
+      </p:sp>
+      <p:pic>
+        <p:nvPicPr>
+          <p:cNvPr id="8" name="Picture 7">
+            <a:extLst>
+              <a:ext uri="{FF2B5EF4-FFF2-40B4-BE49-F238E27FC236}">
+                <a16:creationId xmlns:a16="http://schemas.microsoft.com/office/drawing/2014/main" id="{0575456A-A31B-270E-6F90-A3C4BD4F0C7F}"/>
+              </a:ext>
+            </a:extLst>
+          </p:cNvPr>
+          <p:cNvPicPr>
+            <a:picLocks noChangeAspect="1"/>
+          </p:cNvPicPr>
+          <p:nvPr/>
+        </p:nvPicPr>
+        <p:blipFill>
+          <a:blip r:embed="rId2"/>
+          <a:stretch>
+            <a:fillRect/>
+          </a:stretch>
+        </p:blipFill>
+        <p:spPr>
+          <a:xfrm>
+            <a:off x="5763675" y="51792"/>
+            <a:ext cx="3380325" cy="445294"/>
+          </a:xfrm>
+          <a:prstGeom prst="rect">
+            <a:avLst/>
+          </a:prstGeom>
+        </p:spPr>
+      </p:pic>
+      <p:sp>
+        <p:nvSpPr>
+          <p:cNvPr id="9" name="Title 1">
+            <a:extLst>
+              <a:ext uri="{FF2B5EF4-FFF2-40B4-BE49-F238E27FC236}">
+                <a16:creationId xmlns:a16="http://schemas.microsoft.com/office/drawing/2014/main" id="{B0D6FBBB-4089-9ECB-A79F-E7C2E561B46F}"/>
+              </a:ext>
+            </a:extLst>
+          </p:cNvPr>
+          <p:cNvSpPr txBox="1">
+            <a:spLocks/>
+          </p:cNvSpPr>
+          <p:nvPr/>
+        </p:nvSpPr>
+        <p:spPr>
+          <a:xfrm>
+            <a:off x="0" y="4858718"/>
+            <a:ext cx="9144000" cy="284781"/>
+          </a:xfrm>
+          <a:prstGeom prst="rect">
+            <a:avLst/>
+          </a:prstGeom>
+          <a:solidFill>
+            <a:schemeClr val="tx1"/>
+          </a:solidFill>
+        </p:spPr>
+        <p:txBody>
+          <a:bodyPr vert="horz" lIns="91440" tIns="45720" rIns="91440" bIns="45720" rtlCol="0" anchor="ctr">
+            <a:normAutofit/>
+          </a:bodyPr>
+          <a:lstStyle>
+            <a:lvl1pPr algn="ctr" defTabSz="342900" rtl="0" eaLnBrk="1" latinLnBrk="0" hangingPunct="1">
+              <a:spcBef>
+                <a:spcPct val="0"/>
+              </a:spcBef>
+              <a:buNone/>
+              <a:defRPr sz="3300" kern="1200">
+                <a:solidFill>
+                  <a:schemeClr val="tx1"/>
+                </a:solidFill>
+                <a:latin typeface="+mj-lt"/>
+                <a:ea typeface="+mj-ea"/>
+                <a:cs typeface="+mj-cs"/>
+              </a:defRPr>
+            </a:lvl1pPr>
+          </a:lstStyle>
+          <a:p>
+            <a:r>
+              <a:rPr lang="en-IN" sz="1200" dirty="0">
+                <a:solidFill>
+                  <a:schemeClr val="bg1"/>
+                </a:solidFill>
+              </a:rPr>
+              <a:t>(©) tinitiate.com</a:t>
+            </a:r>
+            <a:endParaRPr lang="en-IN" sz="1000" dirty="0">
+              <a:solidFill>
+                <a:schemeClr val="bg1"/>
+              </a:solidFill>
+            </a:endParaRPr>
           </a:p>
         </p:txBody>
       </p:sp>
@@ -3642,31 +4807,6 @@
       </p:grpSpPr>
       <p:sp>
         <p:nvSpPr>
-          <p:cNvPr id="2" name="Title 1"/>
-          <p:cNvSpPr>
-            <a:spLocks noGrp="1"/>
-          </p:cNvSpPr>
-          <p:nvPr>
-            <p:ph type="title"/>
-          </p:nvPr>
-        </p:nvSpPr>
-        <p:spPr/>
-        <p:txBody>
-          <a:bodyPr/>
-          <a:lstStyle/>
-          <a:p>
-            <a:pPr marL="0" lvl="0" indent="0">
-              <a:buNone/>
-            </a:pPr>
-            <a:r>
-              <a:rPr dirty="0"/>
-              <a:t>Conclusion</a:t>
-            </a:r>
-          </a:p>
-        </p:txBody>
-      </p:sp>
-      <p:sp>
-        <p:nvSpPr>
           <p:cNvPr id="3" name="Content Placeholder 2"/>
           <p:cNvSpPr>
             <a:spLocks noGrp="1"/>
@@ -3675,7 +4815,12 @@
             <p:ph idx="1"/>
           </p:nvPr>
         </p:nvSpPr>
-        <p:spPr/>
+        <p:spPr>
+          <a:xfrm>
+            <a:off x="457200" y="874514"/>
+            <a:ext cx="8229600" cy="3394472"/>
+          </a:xfrm>
+        </p:spPr>
         <p:txBody>
           <a:bodyPr>
             <a:normAutofit/>
@@ -3694,6 +4839,158 @@
               <a:rPr sz="1800" dirty="0"/>
               <a:t>Whether developing a lightweight app or a mission-critical enterprise solution, SQL Server delivers the essential tools and performance to meet your database needs.</a:t>
             </a:r>
+          </a:p>
+        </p:txBody>
+      </p:sp>
+      <p:sp>
+        <p:nvSpPr>
+          <p:cNvPr id="7" name="Title 1">
+            <a:extLst>
+              <a:ext uri="{FF2B5EF4-FFF2-40B4-BE49-F238E27FC236}">
+                <a16:creationId xmlns:a16="http://schemas.microsoft.com/office/drawing/2014/main" id="{845FE963-F015-7D6F-DF83-3D622E1FE1DD}"/>
+              </a:ext>
+            </a:extLst>
+          </p:cNvPr>
+          <p:cNvSpPr txBox="1">
+            <a:spLocks/>
+          </p:cNvSpPr>
+          <p:nvPr/>
+        </p:nvSpPr>
+        <p:spPr>
+          <a:xfrm>
+            <a:off x="0" y="1"/>
+            <a:ext cx="9144000" cy="548876"/>
+          </a:xfrm>
+          <a:prstGeom prst="rect">
+            <a:avLst/>
+          </a:prstGeom>
+          <a:solidFill>
+            <a:schemeClr val="tx1"/>
+          </a:solidFill>
+        </p:spPr>
+        <p:txBody>
+          <a:bodyPr vert="horz" lIns="91440" tIns="45720" rIns="91440" bIns="45720" rtlCol="0" anchor="ctr">
+            <a:normAutofit/>
+          </a:bodyPr>
+          <a:lstStyle>
+            <a:lvl1pPr algn="ctr" defTabSz="342900" rtl="0" eaLnBrk="1" latinLnBrk="0" hangingPunct="1">
+              <a:spcBef>
+                <a:spcPct val="0"/>
+              </a:spcBef>
+              <a:buNone/>
+              <a:defRPr sz="3300" kern="1200">
+                <a:solidFill>
+                  <a:schemeClr val="tx1"/>
+                </a:solidFill>
+                <a:latin typeface="+mj-lt"/>
+                <a:ea typeface="+mj-ea"/>
+                <a:cs typeface="+mj-cs"/>
+              </a:defRPr>
+            </a:lvl1pPr>
+          </a:lstStyle>
+          <a:p>
+            <a:pPr algn="l"/>
+            <a:r>
+              <a:rPr lang="en-IN" sz="2800" dirty="0">
+                <a:solidFill>
+                  <a:schemeClr val="bg1"/>
+                </a:solidFill>
+              </a:rPr>
+              <a:t>Conclusion</a:t>
+            </a:r>
+          </a:p>
+        </p:txBody>
+      </p:sp>
+      <p:pic>
+        <p:nvPicPr>
+          <p:cNvPr id="8" name="Picture 7">
+            <a:extLst>
+              <a:ext uri="{FF2B5EF4-FFF2-40B4-BE49-F238E27FC236}">
+                <a16:creationId xmlns:a16="http://schemas.microsoft.com/office/drawing/2014/main" id="{D3237160-FF9B-85CC-8707-20E2A5C9F8E8}"/>
+              </a:ext>
+            </a:extLst>
+          </p:cNvPr>
+          <p:cNvPicPr>
+            <a:picLocks noChangeAspect="1"/>
+          </p:cNvPicPr>
+          <p:nvPr/>
+        </p:nvPicPr>
+        <p:blipFill>
+          <a:blip r:embed="rId2"/>
+          <a:stretch>
+            <a:fillRect/>
+          </a:stretch>
+        </p:blipFill>
+        <p:spPr>
+          <a:xfrm>
+            <a:off x="5763675" y="51792"/>
+            <a:ext cx="3380325" cy="445294"/>
+          </a:xfrm>
+          <a:prstGeom prst="rect">
+            <a:avLst/>
+          </a:prstGeom>
+        </p:spPr>
+      </p:pic>
+      <p:sp>
+        <p:nvSpPr>
+          <p:cNvPr id="9" name="Title 1">
+            <a:extLst>
+              <a:ext uri="{FF2B5EF4-FFF2-40B4-BE49-F238E27FC236}">
+                <a16:creationId xmlns:a16="http://schemas.microsoft.com/office/drawing/2014/main" id="{CDE38848-8DF0-0A2E-4DAA-E0EEA15BAC96}"/>
+              </a:ext>
+            </a:extLst>
+          </p:cNvPr>
+          <p:cNvSpPr txBox="1">
+            <a:spLocks/>
+          </p:cNvSpPr>
+          <p:nvPr/>
+        </p:nvSpPr>
+        <p:spPr>
+          <a:xfrm>
+            <a:off x="0" y="4858718"/>
+            <a:ext cx="9144000" cy="284781"/>
+          </a:xfrm>
+          <a:prstGeom prst="rect">
+            <a:avLst/>
+          </a:prstGeom>
+          <a:solidFill>
+            <a:schemeClr val="tx1"/>
+          </a:solidFill>
+        </p:spPr>
+        <p:txBody>
+          <a:bodyPr vert="horz" lIns="91440" tIns="45720" rIns="91440" bIns="45720" rtlCol="0" anchor="ctr">
+            <a:normAutofit/>
+          </a:bodyPr>
+          <a:lstStyle>
+            <a:lvl1pPr algn="ctr" defTabSz="342900" rtl="0" eaLnBrk="1" latinLnBrk="0" hangingPunct="1">
+              <a:spcBef>
+                <a:spcPct val="0"/>
+              </a:spcBef>
+              <a:buNone/>
+              <a:defRPr sz="3300" kern="1200">
+                <a:solidFill>
+                  <a:schemeClr val="tx1"/>
+                </a:solidFill>
+                <a:latin typeface="+mj-lt"/>
+                <a:ea typeface="+mj-ea"/>
+                <a:cs typeface="+mj-cs"/>
+              </a:defRPr>
+            </a:lvl1pPr>
+          </a:lstStyle>
+          <a:p>
+            <a:r>
+              <a:rPr lang="en-IN" sz="1200" dirty="0">
+                <a:solidFill>
+                  <a:schemeClr val="bg1"/>
+                </a:solidFill>
+              </a:rPr>
+              <a:t>(©) tinitiate.com</a:t>
+            </a:r>
+            <a:endParaRPr lang="en-IN" sz="1000" dirty="0">
+              <a:solidFill>
+                <a:schemeClr val="bg1"/>
+              </a:solidFill>
+            </a:endParaRPr>
           </a:p>
         </p:txBody>
       </p:sp>
@@ -3708,9 +5005,9 @@
 <file path=ppt/theme/theme1.xml><?xml version="1.0" encoding="utf-8"?>
 <a:theme xmlns:a="http://schemas.openxmlformats.org/drawingml/2006/main" name="Office Theme">
   <a:themeElements>
-    <a:clrScheme name="Office">
+    <a:clrScheme name="Custom 3">
       <a:dk1>
-        <a:sysClr val="windowText" lastClr="000000"/>
+        <a:srgbClr val="1F497D"/>
       </a:dk1>
       <a:lt1>
         <a:sysClr val="window" lastClr="FFFFFF"/>
